--- a/docs/visual_doc.pptx
+++ b/docs/visual_doc.pptx
@@ -3618,6 +3618,271 @@
           </a:fontRef>
         </p:style>
       </p:cxnSp>
+      <p:pic>
+        <p:nvPicPr>
+          <p:cNvPr id="31" name="Picture 30">
+            <a:extLst>
+              <a:ext uri="{FF2B5EF4-FFF2-40B4-BE49-F238E27FC236}">
+                <a16:creationId xmlns:a16="http://schemas.microsoft.com/office/drawing/2014/main" id="{488CD241-9480-DA26-6EA4-71F136240964}"/>
+              </a:ext>
+            </a:extLst>
+          </p:cNvPr>
+          <p:cNvPicPr>
+            <a:picLocks noChangeAspect="1"/>
+          </p:cNvPicPr>
+          <p:nvPr/>
+        </p:nvPicPr>
+        <p:blipFill>
+          <a:blip r:embed="rId2"/>
+          <a:stretch>
+            <a:fillRect/>
+          </a:stretch>
+        </p:blipFill>
+        <p:spPr>
+          <a:xfrm>
+            <a:off x="727869" y="19238912"/>
+            <a:ext cx="10045700" cy="2019300"/>
+          </a:xfrm>
+          <a:prstGeom prst="rect">
+            <a:avLst/>
+          </a:prstGeom>
+        </p:spPr>
+      </p:pic>
+      <p:sp>
+        <p:nvSpPr>
+          <p:cNvPr id="32" name="TextBox 31">
+            <a:extLst>
+              <a:ext uri="{FF2B5EF4-FFF2-40B4-BE49-F238E27FC236}">
+                <a16:creationId xmlns:a16="http://schemas.microsoft.com/office/drawing/2014/main" id="{EF613D87-B318-4AEF-D8F7-3D0F52F7C8DC}"/>
+              </a:ext>
+            </a:extLst>
+          </p:cNvPr>
+          <p:cNvSpPr txBox="1"/>
+          <p:nvPr/>
+        </p:nvSpPr>
+        <p:spPr>
+          <a:xfrm>
+            <a:off x="21183600" y="16062960"/>
+            <a:ext cx="1356462" cy="369332"/>
+          </a:xfrm>
+          <a:prstGeom prst="rect">
+            <a:avLst/>
+          </a:prstGeom>
+          <a:noFill/>
+        </p:spPr>
+        <p:txBody>
+          <a:bodyPr wrap="none" rtlCol="0">
+            <a:spAutoFit/>
+          </a:bodyPr>
+          <a:lstStyle/>
+          <a:p>
+            <a:r>
+              <a:rPr lang="en-US" dirty="0" err="1"/>
+              <a:t>dN</a:t>
+            </a:r>
+            <a:r>
+              <a:rPr lang="en-US" dirty="0"/>
+              <a:t>/</a:t>
+            </a:r>
+            <a:r>
+              <a:rPr lang="en-US" dirty="0" err="1"/>
+              <a:t>dlog</a:t>
+            </a:r>
+            <a:r>
+              <a:rPr lang="en-US" dirty="0"/>
+              <a:t>(</a:t>
+            </a:r>
+            <a:r>
+              <a:rPr lang="en-US" dirty="0" err="1"/>
+              <a:t>Dp</a:t>
+            </a:r>
+            <a:r>
+              <a:rPr lang="en-US" dirty="0"/>
+              <a:t>)</a:t>
+            </a:r>
+          </a:p>
+        </p:txBody>
+      </p:sp>
+      <p:sp>
+        <p:nvSpPr>
+          <p:cNvPr id="33" name="TextBox 32">
+            <a:extLst>
+              <a:ext uri="{FF2B5EF4-FFF2-40B4-BE49-F238E27FC236}">
+                <a16:creationId xmlns:a16="http://schemas.microsoft.com/office/drawing/2014/main" id="{A0097EF4-59A1-88CA-E89A-14546986F039}"/>
+              </a:ext>
+            </a:extLst>
+          </p:cNvPr>
+          <p:cNvSpPr txBox="1"/>
+          <p:nvPr/>
+        </p:nvSpPr>
+        <p:spPr>
+          <a:xfrm>
+            <a:off x="19293840" y="15910560"/>
+            <a:ext cx="647934" cy="369332"/>
+          </a:xfrm>
+          <a:prstGeom prst="rect">
+            <a:avLst/>
+          </a:prstGeom>
+          <a:noFill/>
+        </p:spPr>
+        <p:txBody>
+          <a:bodyPr wrap="none" rtlCol="0">
+            <a:spAutoFit/>
+          </a:bodyPr>
+          <a:lstStyle/>
+          <a:p>
+            <a:r>
+              <a:rPr lang="en-US" dirty="0"/>
+              <a:t>units</a:t>
+            </a:r>
+          </a:p>
+        </p:txBody>
+      </p:sp>
+      <p:sp>
+        <p:nvSpPr>
+          <p:cNvPr id="34" name="TextBox 33">
+            <a:extLst>
+              <a:ext uri="{FF2B5EF4-FFF2-40B4-BE49-F238E27FC236}">
+                <a16:creationId xmlns:a16="http://schemas.microsoft.com/office/drawing/2014/main" id="{1DCF893A-2397-1190-A809-3DD387817659}"/>
+              </a:ext>
+            </a:extLst>
+          </p:cNvPr>
+          <p:cNvSpPr txBox="1"/>
+          <p:nvPr/>
+        </p:nvSpPr>
+        <p:spPr>
+          <a:xfrm>
+            <a:off x="23378160" y="16215360"/>
+            <a:ext cx="786434" cy="369332"/>
+          </a:xfrm>
+          <a:prstGeom prst="rect">
+            <a:avLst/>
+          </a:prstGeom>
+          <a:noFill/>
+        </p:spPr>
+        <p:txBody>
+          <a:bodyPr wrap="none" rtlCol="0">
+            <a:spAutoFit/>
+          </a:bodyPr>
+          <a:lstStyle/>
+          <a:p>
+            <a:r>
+              <a:rPr lang="en-US" dirty="0"/>
+              <a:t>1/cm3</a:t>
+            </a:r>
+          </a:p>
+        </p:txBody>
+      </p:sp>
+      <p:sp>
+        <p:nvSpPr>
+          <p:cNvPr id="35" name="TextBox 34">
+            <a:extLst>
+              <a:ext uri="{FF2B5EF4-FFF2-40B4-BE49-F238E27FC236}">
+                <a16:creationId xmlns:a16="http://schemas.microsoft.com/office/drawing/2014/main" id="{F1A496C1-2AA2-A2CC-1600-316D602625CD}"/>
+              </a:ext>
+            </a:extLst>
+          </p:cNvPr>
+          <p:cNvSpPr txBox="1"/>
+          <p:nvPr/>
+        </p:nvSpPr>
+        <p:spPr>
+          <a:xfrm>
+            <a:off x="20665440" y="13258800"/>
+            <a:ext cx="769763" cy="369332"/>
+          </a:xfrm>
+          <a:prstGeom prst="rect">
+            <a:avLst/>
+          </a:prstGeom>
+          <a:noFill/>
+        </p:spPr>
+        <p:txBody>
+          <a:bodyPr wrap="none" rtlCol="0">
+            <a:spAutoFit/>
+          </a:bodyPr>
+          <a:lstStyle/>
+          <a:p>
+            <a:r>
+              <a:rPr lang="en-US" dirty="0"/>
+              <a:t>name </a:t>
+            </a:r>
+          </a:p>
+        </p:txBody>
+      </p:sp>
+      <p:sp>
+        <p:nvSpPr>
+          <p:cNvPr id="36" name="TextBox 35">
+            <a:extLst>
+              <a:ext uri="{FF2B5EF4-FFF2-40B4-BE49-F238E27FC236}">
+                <a16:creationId xmlns:a16="http://schemas.microsoft.com/office/drawing/2014/main" id="{E9F582DE-B42D-ACF4-6804-3653CAD3CF88}"/>
+              </a:ext>
+            </a:extLst>
+          </p:cNvPr>
+          <p:cNvSpPr txBox="1"/>
+          <p:nvPr/>
+        </p:nvSpPr>
+        <p:spPr>
+          <a:xfrm>
+            <a:off x="22585680" y="12801600"/>
+            <a:ext cx="3416320" cy="1477328"/>
+          </a:xfrm>
+          <a:prstGeom prst="rect">
+            <a:avLst/>
+          </a:prstGeom>
+          <a:noFill/>
+        </p:spPr>
+        <p:txBody>
+          <a:bodyPr wrap="none" rtlCol="0">
+            <a:spAutoFit/>
+          </a:bodyPr>
+          <a:lstStyle/>
+          <a:p>
+            <a:r>
+              <a:rPr lang="en-US" dirty="0" err="1"/>
+              <a:t>par_pos</a:t>
+            </a:r>
+            <a:r>
+              <a:rPr lang="en-US" dirty="0"/>
+              <a:t>		positive  	particle </a:t>
+            </a:r>
+          </a:p>
+          <a:p>
+            <a:r>
+              <a:rPr lang="en-US" dirty="0" err="1"/>
+              <a:t>par_neg</a:t>
+            </a:r>
+            <a:r>
+              <a:rPr lang="en-US" dirty="0"/>
+              <a:t>		negative	particle</a:t>
+            </a:r>
+          </a:p>
+          <a:p>
+            <a:r>
+              <a:rPr lang="en-US" dirty="0" err="1"/>
+              <a:t>ion_pos</a:t>
+            </a:r>
+            <a:r>
+              <a:rPr lang="en-US" dirty="0"/>
+              <a:t>		positive	ion 		</a:t>
+            </a:r>
+          </a:p>
+          <a:p>
+            <a:r>
+              <a:rPr lang="en-US" dirty="0" err="1"/>
+              <a:t>ion_neg</a:t>
+            </a:r>
+            <a:r>
+              <a:rPr lang="en-US" dirty="0"/>
+              <a:t>		negative	ion		</a:t>
+            </a:r>
+          </a:p>
+          <a:p>
+            <a:r>
+              <a:rPr lang="en-US" dirty="0"/>
+              <a:t>par			particle</a:t>
+            </a:r>
+          </a:p>
+        </p:txBody>
+      </p:sp>
     </p:spTree>
     <p:extLst>
       <p:ext uri="{BB962C8B-B14F-4D97-AF65-F5344CB8AC3E}">

--- a/docs/visual_doc.pptx
+++ b/docs/visual_doc.pptx
@@ -5,11 +5,12 @@
     <p:sldMasterId id="2147483660" r:id="rId1"/>
   </p:sldMasterIdLst>
   <p:notesMasterIdLst>
-    <p:notesMasterId r:id="rId4"/>
+    <p:notesMasterId r:id="rId5"/>
   </p:notesMasterIdLst>
   <p:sldIdLst>
     <p:sldId id="256" r:id="rId2"/>
     <p:sldId id="257" r:id="rId3"/>
+    <p:sldId id="258" r:id="rId4"/>
   </p:sldIdLst>
   <p:sldSz cx="43200638" cy="21599525"/>
   <p:notesSz cx="6858000" cy="9144000"/>
@@ -198,7 +199,7 @@
           <a:p>
             <a:fld id="{54D744D9-FF19-2E4D-8AEA-615725786B48}" type="datetimeFigureOut">
               <a:rPr lang="en-FI" smtClean="0"/>
-              <a:t>9.6.2022</a:t>
+              <a:t>10.6.2022</a:t>
             </a:fld>
             <a:endParaRPr lang="en-FI"/>
           </a:p>
@@ -597,7 +598,7 @@
           <a:p>
             <a:fld id="{288D7202-8BB5-A048-950B-7594ACD3BF50}" type="datetimeFigureOut">
               <a:rPr lang="en-FI" smtClean="0"/>
-              <a:t>9.6.2022</a:t>
+              <a:t>10.6.2022</a:t>
             </a:fld>
             <a:endParaRPr lang="en-FI"/>
           </a:p>
@@ -854,7 +855,7 @@
           <a:p>
             <a:fld id="{288D7202-8BB5-A048-950B-7594ACD3BF50}" type="datetimeFigureOut">
               <a:rPr lang="en-FI" smtClean="0"/>
-              <a:t>9.6.2022</a:t>
+              <a:t>10.6.2022</a:t>
             </a:fld>
             <a:endParaRPr lang="en-FI"/>
           </a:p>
@@ -1024,7 +1025,7 @@
           <a:p>
             <a:fld id="{288D7202-8BB5-A048-950B-7594ACD3BF50}" type="datetimeFigureOut">
               <a:rPr lang="en-FI" smtClean="0"/>
-              <a:t>9.6.2022</a:t>
+              <a:t>10.6.2022</a:t>
             </a:fld>
             <a:endParaRPr lang="en-FI"/>
           </a:p>
@@ -1268,7 +1269,7 @@
           <a:p>
             <a:fld id="{288D7202-8BB5-A048-950B-7594ACD3BF50}" type="datetimeFigureOut">
               <a:rPr lang="en-FI" smtClean="0"/>
-              <a:t>9.6.2022</a:t>
+              <a:t>10.6.2022</a:t>
             </a:fld>
             <a:endParaRPr lang="en-FI"/>
           </a:p>
@@ -1500,7 +1501,7 @@
           <a:p>
             <a:fld id="{288D7202-8BB5-A048-950B-7594ACD3BF50}" type="datetimeFigureOut">
               <a:rPr lang="en-FI" smtClean="0"/>
-              <a:t>9.6.2022</a:t>
+              <a:t>10.6.2022</a:t>
             </a:fld>
             <a:endParaRPr lang="en-FI"/>
           </a:p>
@@ -1867,7 +1868,7 @@
           <a:p>
             <a:fld id="{288D7202-8BB5-A048-950B-7594ACD3BF50}" type="datetimeFigureOut">
               <a:rPr lang="en-FI" smtClean="0"/>
-              <a:t>9.6.2022</a:t>
+              <a:t>10.6.2022</a:t>
             </a:fld>
             <a:endParaRPr lang="en-FI"/>
           </a:p>
@@ -1985,7 +1986,7 @@
           <a:p>
             <a:fld id="{288D7202-8BB5-A048-950B-7594ACD3BF50}" type="datetimeFigureOut">
               <a:rPr lang="en-FI" smtClean="0"/>
-              <a:t>9.6.2022</a:t>
+              <a:t>10.6.2022</a:t>
             </a:fld>
             <a:endParaRPr lang="en-FI"/>
           </a:p>
@@ -2103,7 +2104,7 @@
           <a:p>
             <a:fld id="{288D7202-8BB5-A048-950B-7594ACD3BF50}" type="datetimeFigureOut">
               <a:rPr lang="en-FI" smtClean="0"/>
-              <a:t>9.6.2022</a:t>
+              <a:t>10.6.2022</a:t>
             </a:fld>
             <a:endParaRPr lang="en-FI"/>
           </a:p>
@@ -2261,7 +2262,7 @@
           <a:p>
             <a:fld id="{288D7202-8BB5-A048-950B-7594ACD3BF50}" type="datetimeFigureOut">
               <a:rPr lang="en-FI" smtClean="0"/>
-              <a:t>9.6.2022</a:t>
+              <a:t>10.6.2022</a:t>
             </a:fld>
             <a:endParaRPr lang="en-FI"/>
           </a:p>
@@ -2538,7 +2539,7 @@
           <a:p>
             <a:fld id="{288D7202-8BB5-A048-950B-7594ACD3BF50}" type="datetimeFigureOut">
               <a:rPr lang="en-FI" smtClean="0"/>
-              <a:t>9.6.2022</a:t>
+              <a:t>10.6.2022</a:t>
             </a:fld>
             <a:endParaRPr lang="en-FI"/>
           </a:p>
@@ -2752,7 +2753,7 @@
             <a:fld id="{288D7202-8BB5-A048-950B-7594ACD3BF50}" type="datetimeFigureOut">
               <a:rPr lang="en-FI" smtClean="0"/>
               <a:pPr/>
-              <a:t>9.6.2022</a:t>
+              <a:t>10.6.2022</a:t>
             </a:fld>
             <a:endParaRPr lang="en-FI"/>
           </a:p>
@@ -3913,85 +3914,338 @@
           <a:chExt cx="0" cy="0"/>
         </a:xfrm>
       </p:grpSpPr>
-      <p:sp>
-        <p:nvSpPr>
-          <p:cNvPr id="2" name="Title 1">
+      <p:pic>
+        <p:nvPicPr>
+          <p:cNvPr id="5" name="Picture 4">
             <a:extLst>
               <a:ext uri="{FF2B5EF4-FFF2-40B4-BE49-F238E27FC236}">
-                <a16:creationId xmlns:a16="http://schemas.microsoft.com/office/drawing/2014/main" id="{0B256C6E-BFBB-051D-BF40-6BEB99F886CF}"/>
+                <a16:creationId xmlns:a16="http://schemas.microsoft.com/office/drawing/2014/main" id="{F50F43BE-32E9-9F99-C0D0-79AFC3844564}"/>
               </a:ext>
             </a:extLst>
           </p:cNvPr>
-          <p:cNvSpPr>
-            <a:spLocks noGrp="1"/>
-          </p:cNvSpPr>
-          <p:nvPr>
-            <p:ph type="title"/>
-          </p:nvPr>
-        </p:nvSpPr>
-        <p:spPr/>
-        <p:txBody>
-          <a:bodyPr/>
-          <a:lstStyle/>
-          <a:p>
-            <a:endParaRPr lang="en-FI" dirty="0"/>
-          </a:p>
-        </p:txBody>
-      </p:sp>
-      <p:sp>
-        <p:nvSpPr>
-          <p:cNvPr id="4" name="Content Placeholder 3">
+          <p:cNvPicPr>
+            <a:picLocks noChangeAspect="1"/>
+          </p:cNvPicPr>
+          <p:nvPr/>
+        </p:nvPicPr>
+        <p:blipFill>
+          <a:blip r:embed="rId2"/>
+          <a:stretch>
+            <a:fillRect/>
+          </a:stretch>
+        </p:blipFill>
+        <p:spPr>
+          <a:xfrm>
+            <a:off x="0" y="274637"/>
+            <a:ext cx="20767376" cy="14212888"/>
+          </a:xfrm>
+          <a:prstGeom prst="rect">
+            <a:avLst/>
+          </a:prstGeom>
+        </p:spPr>
+      </p:pic>
+      <p:pic>
+        <p:nvPicPr>
+          <p:cNvPr id="3" name="Picture 2">
             <a:extLst>
               <a:ext uri="{FF2B5EF4-FFF2-40B4-BE49-F238E27FC236}">
-                <a16:creationId xmlns:a16="http://schemas.microsoft.com/office/drawing/2014/main" id="{4F08DEB3-170C-C27D-F83D-E34EB432D026}"/>
+                <a16:creationId xmlns:a16="http://schemas.microsoft.com/office/drawing/2014/main" id="{F4855D4B-44A6-B444-A829-7C2B2CD592A7}"/>
               </a:ext>
             </a:extLst>
           </p:cNvPr>
-          <p:cNvSpPr>
-            <a:spLocks noGrp="1"/>
-          </p:cNvSpPr>
-          <p:nvPr>
-            <p:ph sz="half" idx="2"/>
-          </p:nvPr>
-        </p:nvSpPr>
-        <p:spPr/>
-        <p:txBody>
-          <a:bodyPr/>
-          <a:lstStyle/>
-          <a:p>
-            <a:endParaRPr lang="en-FI"/>
-          </a:p>
-        </p:txBody>
-      </p:sp>
-      <p:sp>
-        <p:nvSpPr>
-          <p:cNvPr id="7" name="Content Placeholder 6">
+          <p:cNvPicPr>
+            <a:picLocks noChangeAspect="1"/>
+          </p:cNvPicPr>
+          <p:nvPr/>
+        </p:nvPicPr>
+        <p:blipFill>
+          <a:blip r:embed="rId3"/>
+          <a:stretch>
+            <a:fillRect/>
+          </a:stretch>
+        </p:blipFill>
+        <p:spPr>
+          <a:xfrm>
+            <a:off x="19820740" y="309561"/>
+            <a:ext cx="23115579" cy="18978563"/>
+          </a:xfrm>
+          <a:prstGeom prst="rect">
+            <a:avLst/>
+          </a:prstGeom>
+        </p:spPr>
+      </p:pic>
+      <p:pic>
+        <p:nvPicPr>
+          <p:cNvPr id="6" name="Picture 5">
             <a:extLst>
               <a:ext uri="{FF2B5EF4-FFF2-40B4-BE49-F238E27FC236}">
-                <a16:creationId xmlns:a16="http://schemas.microsoft.com/office/drawing/2014/main" id="{6AC66313-A595-DA4C-CD80-32D998F5CEBE}"/>
+                <a16:creationId xmlns:a16="http://schemas.microsoft.com/office/drawing/2014/main" id="{D98BF7F0-91A0-0644-7AB7-62948E2E1864}"/>
               </a:ext>
             </a:extLst>
           </p:cNvPr>
-          <p:cNvSpPr>
-            <a:spLocks noGrp="1"/>
-          </p:cNvSpPr>
-          <p:nvPr>
-            <p:ph sz="half" idx="1"/>
-          </p:nvPr>
-        </p:nvSpPr>
-        <p:spPr/>
-        <p:txBody>
-          <a:bodyPr/>
-          <a:lstStyle/>
-          <a:p>
-            <a:endParaRPr lang="en-FI"/>
-          </a:p>
-        </p:txBody>
-      </p:sp>
+          <p:cNvPicPr>
+            <a:picLocks noChangeAspect="1"/>
+          </p:cNvPicPr>
+          <p:nvPr/>
+        </p:nvPicPr>
+        <p:blipFill>
+          <a:blip r:embed="rId4"/>
+          <a:stretch>
+            <a:fillRect/>
+          </a:stretch>
+        </p:blipFill>
+        <p:spPr>
+          <a:xfrm>
+            <a:off x="1239044" y="16002000"/>
+            <a:ext cx="18020506" cy="1815499"/>
+          </a:xfrm>
+          <a:prstGeom prst="rect">
+            <a:avLst/>
+          </a:prstGeom>
+        </p:spPr>
+      </p:pic>
     </p:spTree>
     <p:extLst>
       <p:ext uri="{BB962C8B-B14F-4D97-AF65-F5344CB8AC3E}">
         <p14:creationId xmlns:p14="http://schemas.microsoft.com/office/powerpoint/2010/main" val="1591566091"/>
+      </p:ext>
+    </p:extLst>
+  </p:cSld>
+  <p:clrMapOvr>
+    <a:masterClrMapping/>
+  </p:clrMapOvr>
+</p:sld>
+</file>
+
+<file path=ppt/slides/slide3.xml><?xml version="1.0" encoding="utf-8"?>
+<p:sld xmlns:a="http://schemas.openxmlformats.org/drawingml/2006/main" xmlns:r="http://schemas.openxmlformats.org/officeDocument/2006/relationships" xmlns:p="http://schemas.openxmlformats.org/presentationml/2006/main">
+  <p:cSld>
+    <p:spTree>
+      <p:nvGrpSpPr>
+        <p:cNvPr id="1" name=""/>
+        <p:cNvGrpSpPr/>
+        <p:nvPr/>
+      </p:nvGrpSpPr>
+      <p:grpSpPr>
+        <a:xfrm>
+          <a:off x="0" y="0"/>
+          <a:ext cx="0" cy="0"/>
+          <a:chOff x="0" y="0"/>
+          <a:chExt cx="0" cy="0"/>
+        </a:xfrm>
+      </p:grpSpPr>
+      <p:pic>
+        <p:nvPicPr>
+          <p:cNvPr id="2" name="Picture 1">
+            <a:extLst>
+              <a:ext uri="{FF2B5EF4-FFF2-40B4-BE49-F238E27FC236}">
+                <a16:creationId xmlns:a16="http://schemas.microsoft.com/office/drawing/2014/main" id="{19AA05BF-12D9-2971-2318-ABDC92B13A78}"/>
+              </a:ext>
+            </a:extLst>
+          </p:cNvPr>
+          <p:cNvPicPr>
+            <a:picLocks noChangeAspect="1"/>
+          </p:cNvPicPr>
+          <p:nvPr/>
+        </p:nvPicPr>
+        <p:blipFill>
+          <a:blip r:embed="rId2"/>
+          <a:stretch>
+            <a:fillRect/>
+          </a:stretch>
+        </p:blipFill>
+        <p:spPr>
+          <a:xfrm>
+            <a:off x="580486" y="234386"/>
+            <a:ext cx="8511223" cy="6697356"/>
+          </a:xfrm>
+          <a:prstGeom prst="rect">
+            <a:avLst/>
+          </a:prstGeom>
+        </p:spPr>
+      </p:pic>
+      <p:cxnSp>
+        <p:nvCxnSpPr>
+          <p:cNvPr id="7" name="Straight Connector 6">
+            <a:extLst>
+              <a:ext uri="{FF2B5EF4-FFF2-40B4-BE49-F238E27FC236}">
+                <a16:creationId xmlns:a16="http://schemas.microsoft.com/office/drawing/2014/main" id="{F7AE7364-6EDA-6B22-4E6D-CC5087F8091A}"/>
+              </a:ext>
+            </a:extLst>
+          </p:cNvPr>
+          <p:cNvCxnSpPr/>
+          <p:nvPr/>
+        </p:nvCxnSpPr>
+        <p:spPr>
+          <a:xfrm flipH="1">
+            <a:off x="383458" y="4129546"/>
+            <a:ext cx="9630697" cy="0"/>
+          </a:xfrm>
+          <a:prstGeom prst="line">
+            <a:avLst/>
+          </a:prstGeom>
+        </p:spPr>
+        <p:style>
+          <a:lnRef idx="1">
+            <a:schemeClr val="accent1"/>
+          </a:lnRef>
+          <a:fillRef idx="0">
+            <a:schemeClr val="accent1"/>
+          </a:fillRef>
+          <a:effectRef idx="0">
+            <a:schemeClr val="accent1"/>
+          </a:effectRef>
+          <a:fontRef idx="minor">
+            <a:schemeClr val="tx1"/>
+          </a:fontRef>
+        </p:style>
+      </p:cxnSp>
+      <p:cxnSp>
+        <p:nvCxnSpPr>
+          <p:cNvPr id="9" name="Straight Connector 8">
+            <a:extLst>
+              <a:ext uri="{FF2B5EF4-FFF2-40B4-BE49-F238E27FC236}">
+                <a16:creationId xmlns:a16="http://schemas.microsoft.com/office/drawing/2014/main" id="{4387A07C-C45E-F26E-F83C-4A1BF1D86DCE}"/>
+              </a:ext>
+            </a:extLst>
+          </p:cNvPr>
+          <p:cNvCxnSpPr/>
+          <p:nvPr/>
+        </p:nvCxnSpPr>
+        <p:spPr>
+          <a:xfrm>
+            <a:off x="3628104" y="221226"/>
+            <a:ext cx="0" cy="7167716"/>
+          </a:xfrm>
+          <a:prstGeom prst="line">
+            <a:avLst/>
+          </a:prstGeom>
+        </p:spPr>
+        <p:style>
+          <a:lnRef idx="1">
+            <a:schemeClr val="accent1"/>
+          </a:lnRef>
+          <a:fillRef idx="0">
+            <a:schemeClr val="accent1"/>
+          </a:fillRef>
+          <a:effectRef idx="0">
+            <a:schemeClr val="accent1"/>
+          </a:effectRef>
+          <a:fontRef idx="minor">
+            <a:schemeClr val="tx1"/>
+          </a:fontRef>
+        </p:style>
+      </p:cxnSp>
+      <p:sp>
+        <p:nvSpPr>
+          <p:cNvPr id="10" name="TextBox 9">
+            <a:extLst>
+              <a:ext uri="{FF2B5EF4-FFF2-40B4-BE49-F238E27FC236}">
+                <a16:creationId xmlns:a16="http://schemas.microsoft.com/office/drawing/2014/main" id="{743D16DD-E5E8-F9F3-1E87-4DA8F4996FAD}"/>
+              </a:ext>
+            </a:extLst>
+          </p:cNvPr>
+          <p:cNvSpPr txBox="1"/>
+          <p:nvPr/>
+        </p:nvSpPr>
+        <p:spPr>
+          <a:xfrm>
+            <a:off x="3672349" y="2344994"/>
+            <a:ext cx="593432" cy="369332"/>
+          </a:xfrm>
+          <a:prstGeom prst="rect">
+            <a:avLst/>
+          </a:prstGeom>
+          <a:noFill/>
+        </p:spPr>
+        <p:txBody>
+          <a:bodyPr wrap="none" rtlCol="0">
+            <a:spAutoFit/>
+          </a:bodyPr>
+          <a:lstStyle/>
+          <a:p>
+            <a:r>
+              <a:rPr lang="en-US" dirty="0"/>
+              <a:t>0,01</a:t>
+            </a:r>
+          </a:p>
+        </p:txBody>
+      </p:sp>
+      <p:cxnSp>
+        <p:nvCxnSpPr>
+          <p:cNvPr id="11" name="Straight Connector 10">
+            <a:extLst>
+              <a:ext uri="{FF2B5EF4-FFF2-40B4-BE49-F238E27FC236}">
+                <a16:creationId xmlns:a16="http://schemas.microsoft.com/office/drawing/2014/main" id="{30F38DDA-8B69-2893-5548-1837DAF4E480}"/>
+              </a:ext>
+            </a:extLst>
+          </p:cNvPr>
+          <p:cNvCxnSpPr/>
+          <p:nvPr/>
+        </p:nvCxnSpPr>
+        <p:spPr>
+          <a:xfrm flipH="1">
+            <a:off x="631242" y="2370521"/>
+            <a:ext cx="9630697" cy="0"/>
+          </a:xfrm>
+          <a:prstGeom prst="line">
+            <a:avLst/>
+          </a:prstGeom>
+        </p:spPr>
+        <p:style>
+          <a:lnRef idx="1">
+            <a:schemeClr val="accent1"/>
+          </a:lnRef>
+          <a:fillRef idx="0">
+            <a:schemeClr val="accent1"/>
+          </a:fillRef>
+          <a:effectRef idx="0">
+            <a:schemeClr val="accent1"/>
+          </a:effectRef>
+          <a:fontRef idx="minor">
+            <a:schemeClr val="tx1"/>
+          </a:fontRef>
+        </p:style>
+      </p:cxnSp>
+      <p:sp>
+        <p:nvSpPr>
+          <p:cNvPr id="12" name="TextBox 11">
+            <a:extLst>
+              <a:ext uri="{FF2B5EF4-FFF2-40B4-BE49-F238E27FC236}">
+                <a16:creationId xmlns:a16="http://schemas.microsoft.com/office/drawing/2014/main" id="{3D33D0A5-61DB-145B-12B7-82E00DBA8166}"/>
+              </a:ext>
+            </a:extLst>
+          </p:cNvPr>
+          <p:cNvSpPr txBox="1"/>
+          <p:nvPr/>
+        </p:nvSpPr>
+        <p:spPr>
+          <a:xfrm>
+            <a:off x="10663084" y="2168013"/>
+            <a:ext cx="476412" cy="369332"/>
+          </a:xfrm>
+          <a:prstGeom prst="rect">
+            <a:avLst/>
+          </a:prstGeom>
+          <a:noFill/>
+        </p:spPr>
+        <p:txBody>
+          <a:bodyPr wrap="none" rtlCol="0">
+            <a:spAutoFit/>
+          </a:bodyPr>
+          <a:lstStyle/>
+          <a:p>
+            <a:r>
+              <a:rPr lang="en-US" dirty="0"/>
+              <a:t>4.5</a:t>
+            </a:r>
+          </a:p>
+        </p:txBody>
+      </p:sp>
+    </p:spTree>
+    <p:extLst>
+      <p:ext uri="{BB962C8B-B14F-4D97-AF65-F5344CB8AC3E}">
+        <p14:creationId xmlns:p14="http://schemas.microsoft.com/office/powerpoint/2010/main" val="3366697728"/>
       </p:ext>
     </p:extLst>
   </p:cSld>
